--- a/PPT/20_逆矩阵.pptx
+++ b/PPT/20_逆矩阵.pptx
@@ -5,7 +5,7 @@
     <p:sldMasterId id="2147483648" r:id="rId1"/>
   </p:sldMasterIdLst>
   <p:notesMasterIdLst>
-    <p:notesMasterId r:id="rId15"/>
+    <p:notesMasterId r:id="rId14"/>
   </p:notesMasterIdLst>
   <p:sldIdLst>
     <p:sldId id="256" r:id="rId2"/>
@@ -19,8 +19,7 @@
     <p:sldId id="276" r:id="rId10"/>
     <p:sldId id="274" r:id="rId11"/>
     <p:sldId id="275" r:id="rId12"/>
-    <p:sldId id="277" r:id="rId13"/>
-    <p:sldId id="259" r:id="rId14"/>
+    <p:sldId id="259" r:id="rId13"/>
   </p:sldIdLst>
   <p:sldSz cx="9144000" cy="5143500" type="screen16x9"/>
   <p:notesSz cx="6858000" cy="9144000"/>
@@ -8311,1335 +8310,6 @@
       </p:grpSpPr>
       <p:pic>
         <p:nvPicPr>
-          <p:cNvPr id="3074" name="Picture 2">
-            <a:extLst>
-              <a:ext uri="{FF2B5EF4-FFF2-40B4-BE49-F238E27FC236}">
-                <a16:creationId xmlns:a16="http://schemas.microsoft.com/office/drawing/2014/main" id="{CE3CEE5C-FBEB-4342-B1B3-D6580A905CD6}"/>
-              </a:ext>
-            </a:extLst>
-          </p:cNvPr>
-          <p:cNvPicPr>
-            <a:picLocks noChangeAspect="1" noChangeArrowheads="1"/>
-          </p:cNvPicPr>
-          <p:nvPr/>
-        </p:nvPicPr>
-        <p:blipFill>
-          <a:blip r:embed="rId2">
-            <a:extLst>
-              <a:ext uri="{28A0092B-C50C-407E-A947-70E740481C1C}">
-                <a14:useLocalDpi xmlns:a14="http://schemas.microsoft.com/office/drawing/2010/main" val="0"/>
-              </a:ext>
-            </a:extLst>
-          </a:blip>
-          <a:srcRect/>
-          <a:stretch>
-            <a:fillRect/>
-          </a:stretch>
-        </p:blipFill>
-        <p:spPr bwMode="auto">
-          <a:xfrm>
-            <a:off x="7956550" y="4606925"/>
-            <a:ext cx="1081088" cy="450850"/>
-          </a:xfrm>
-          <a:prstGeom prst="rect">
-            <a:avLst/>
-          </a:prstGeom>
-          <a:noFill/>
-          <a:ln>
-            <a:noFill/>
-          </a:ln>
-          <a:effectLst/>
-          <a:extLst>
-            <a:ext uri="{909E8E84-426E-40DD-AFC4-6F175D3DCCD1}">
-              <a14:hiddenFill xmlns:a14="http://schemas.microsoft.com/office/drawing/2010/main">
-                <a:solidFill>
-                  <a:srgbClr val="FFFFFF"/>
-                </a:solidFill>
-              </a14:hiddenFill>
-            </a:ext>
-            <a:ext uri="{91240B29-F687-4F45-9708-019B960494DF}">
-              <a14:hiddenLine xmlns:a14="http://schemas.microsoft.com/office/drawing/2010/main" w="9525">
-                <a:solidFill>
-                  <a:srgbClr val="000000"/>
-                </a:solidFill>
-                <a:miter lim="800000"/>
-                <a:headEnd/>
-                <a:tailEnd/>
-              </a14:hiddenLine>
-            </a:ext>
-            <a:ext uri="{AF507438-7753-43E0-B8FC-AC1667EBCBE1}">
-              <a14:hiddenEffects xmlns:a14="http://schemas.microsoft.com/office/drawing/2010/main">
-                <a:effectLst>
-                  <a:outerShdw dist="35921" dir="2700000" algn="ctr" rotWithShape="0">
-                    <a:srgbClr val="808080"/>
-                  </a:outerShdw>
-                </a:effectLst>
-              </a14:hiddenEffects>
-            </a:ext>
-          </a:extLst>
-        </p:spPr>
-      </p:pic>
-      <p:sp>
-        <p:nvSpPr>
-          <p:cNvPr id="3075" name="Title 1">
-            <a:extLst>
-              <a:ext uri="{FF2B5EF4-FFF2-40B4-BE49-F238E27FC236}">
-                <a16:creationId xmlns:a16="http://schemas.microsoft.com/office/drawing/2014/main" id="{02C51294-600F-4828-A954-A3FFBD8B5024}"/>
-              </a:ext>
-            </a:extLst>
-          </p:cNvPr>
-          <p:cNvSpPr>
-            <a:spLocks noGrp="1" noChangeArrowheads="1"/>
-          </p:cNvSpPr>
-          <p:nvPr>
-            <p:ph type="title"/>
-          </p:nvPr>
-        </p:nvSpPr>
-        <p:spPr bwMode="auto">
-          <a:xfrm>
-            <a:off x="457200" y="123825"/>
-            <a:ext cx="8229600" cy="711200"/>
-          </a:xfrm>
-          <a:noFill/>
-          <a:extLst>
-            <a:ext uri="{909E8E84-426E-40DD-AFC4-6F175D3DCCD1}">
-              <a14:hiddenFill xmlns:a14="http://schemas.microsoft.com/office/drawing/2010/main">
-                <a:solidFill>
-                  <a:srgbClr val="FFFFFF"/>
-                </a:solidFill>
-              </a14:hiddenFill>
-            </a:ext>
-            <a:ext uri="{91240B29-F687-4F45-9708-019B960494DF}">
-              <a14:hiddenLine xmlns:a14="http://schemas.microsoft.com/office/drawing/2010/main" w="9525">
-                <a:solidFill>
-                  <a:srgbClr val="000000"/>
-                </a:solidFill>
-                <a:miter lim="800000"/>
-                <a:headEnd/>
-                <a:tailEnd/>
-              </a14:hiddenLine>
-            </a:ext>
-          </a:extLst>
-        </p:spPr>
-        <p:txBody>
-          <a:bodyPr vert="horz" wrap="square" lIns="91440" tIns="45720" rIns="91440" bIns="45720" numCol="1" anchor="t" anchorCtr="0" compatLnSpc="1">
-            <a:prstTxWarp prst="textNoShape">
-              <a:avLst/>
-            </a:prstTxWarp>
-          </a:bodyPr>
-          <a:lstStyle/>
-          <a:p>
-            <a:pPr algn="l" eaLnBrk="1" hangingPunct="1"/>
-            <a:r>
-              <a:rPr lang="zh-CN" altLang="en-US" dirty="0">
-                <a:solidFill>
-                  <a:srgbClr val="C00000"/>
-                </a:solidFill>
-                <a:latin typeface="微软雅黑 Light" panose="020B0502040204020203" pitchFamily="34" charset="-122"/>
-                <a:ea typeface="微软雅黑 Light" panose="020B0502040204020203" pitchFamily="34" charset="-122"/>
-              </a:rPr>
-              <a:t>定理</a:t>
-            </a:r>
-            <a:endParaRPr lang="en-US" altLang="zh-CN" dirty="0">
-              <a:solidFill>
-                <a:srgbClr val="C00000"/>
-              </a:solidFill>
-              <a:latin typeface="微软雅黑 Light" panose="020B0502040204020203" pitchFamily="34" charset="-122"/>
-              <a:ea typeface="微软雅黑 Light" panose="020B0502040204020203" pitchFamily="34" charset="-122"/>
-            </a:endParaRPr>
-          </a:p>
-        </p:txBody>
-      </p:sp>
-      <mc:AlternateContent xmlns:mc="http://schemas.openxmlformats.org/markup-compatibility/2006" xmlns:a14="http://schemas.microsoft.com/office/drawing/2010/main">
-        <mc:Choice Requires="a14">
-          <p:sp>
-            <p:nvSpPr>
-              <p:cNvPr id="4" name="Content Placeholder 3">
-                <a:extLst>
-                  <a:ext uri="{FF2B5EF4-FFF2-40B4-BE49-F238E27FC236}">
-                    <a16:creationId xmlns:a16="http://schemas.microsoft.com/office/drawing/2014/main" id="{368B2D2E-6A5C-4FE0-91BB-6CC0CC9AEF62}"/>
-                  </a:ext>
-                </a:extLst>
-              </p:cNvPr>
-              <p:cNvSpPr txBox="1">
-                <a:spLocks/>
-              </p:cNvSpPr>
-              <p:nvPr/>
-            </p:nvSpPr>
-            <p:spPr>
-              <a:xfrm>
-                <a:off x="457200" y="1131888"/>
-                <a:ext cx="8229600" cy="3925887"/>
-              </a:xfrm>
-              <a:prstGeom prst="rect">
-                <a:avLst/>
-              </a:prstGeom>
-            </p:spPr>
-            <p:txBody>
-              <a:bodyPr/>
-              <a:lstStyle>
-                <a:lvl1pPr marL="342900" indent="-342900" algn="l" rtl="0" fontAlgn="base">
-                  <a:spcBef>
-                    <a:spcPct val="20000"/>
-                  </a:spcBef>
-                  <a:spcAft>
-                    <a:spcPct val="0"/>
-                  </a:spcAft>
-                  <a:buFont typeface="Arial" panose="020B0604020202020204" pitchFamily="34" charset="0"/>
-                  <a:buChar char="•"/>
-                  <a:defRPr sz="3200" kern="1200">
-                    <a:solidFill>
-                      <a:schemeClr val="tx1"/>
-                    </a:solidFill>
-                    <a:latin typeface="+mn-lt"/>
-                    <a:ea typeface="+mn-ea"/>
-                    <a:cs typeface="+mn-cs"/>
-                    <a:sym typeface="Calibri" panose="020F0502020204030204" pitchFamily="34" charset="0"/>
-                  </a:defRPr>
-                </a:lvl1pPr>
-                <a:lvl2pPr marL="742950" indent="-285750" algn="l" rtl="0" fontAlgn="base">
-                  <a:spcBef>
-                    <a:spcPct val="20000"/>
-                  </a:spcBef>
-                  <a:spcAft>
-                    <a:spcPct val="0"/>
-                  </a:spcAft>
-                  <a:buFont typeface="Arial" panose="020B0604020202020204" pitchFamily="34" charset="0"/>
-                  <a:buChar char="–"/>
-                  <a:defRPr sz="2800" kern="1200">
-                    <a:solidFill>
-                      <a:schemeClr val="tx1"/>
-                    </a:solidFill>
-                    <a:latin typeface="+mn-lt"/>
-                    <a:ea typeface="+mn-ea"/>
-                    <a:cs typeface="+mn-cs"/>
-                    <a:sym typeface="Calibri" panose="020F0502020204030204" pitchFamily="34" charset="0"/>
-                  </a:defRPr>
-                </a:lvl2pPr>
-                <a:lvl3pPr marL="1143000" indent="-228600" algn="l" rtl="0" fontAlgn="base">
-                  <a:spcBef>
-                    <a:spcPct val="20000"/>
-                  </a:spcBef>
-                  <a:spcAft>
-                    <a:spcPct val="0"/>
-                  </a:spcAft>
-                  <a:buFont typeface="Arial" panose="020B0604020202020204" pitchFamily="34" charset="0"/>
-                  <a:buChar char="•"/>
-                  <a:defRPr sz="2400" kern="1200">
-                    <a:solidFill>
-                      <a:schemeClr val="tx1"/>
-                    </a:solidFill>
-                    <a:latin typeface="+mn-lt"/>
-                    <a:ea typeface="+mn-ea"/>
-                    <a:cs typeface="+mn-cs"/>
-                    <a:sym typeface="Calibri" panose="020F0502020204030204" pitchFamily="34" charset="0"/>
-                  </a:defRPr>
-                </a:lvl3pPr>
-                <a:lvl4pPr marL="1600200" indent="-228600" algn="l" rtl="0" fontAlgn="base">
-                  <a:spcBef>
-                    <a:spcPct val="20000"/>
-                  </a:spcBef>
-                  <a:spcAft>
-                    <a:spcPct val="0"/>
-                  </a:spcAft>
-                  <a:buFont typeface="Arial" panose="020B0604020202020204" pitchFamily="34" charset="0"/>
-                  <a:buChar char="–"/>
-                  <a:defRPr sz="2000" kern="1200">
-                    <a:solidFill>
-                      <a:schemeClr val="tx1"/>
-                    </a:solidFill>
-                    <a:latin typeface="+mn-lt"/>
-                    <a:ea typeface="+mn-ea"/>
-                    <a:cs typeface="+mn-cs"/>
-                    <a:sym typeface="Calibri" panose="020F0502020204030204" pitchFamily="34" charset="0"/>
-                  </a:defRPr>
-                </a:lvl4pPr>
-                <a:lvl5pPr marL="2057400" indent="-228600" algn="l" rtl="0" fontAlgn="base">
-                  <a:spcBef>
-                    <a:spcPct val="20000"/>
-                  </a:spcBef>
-                  <a:spcAft>
-                    <a:spcPct val="0"/>
-                  </a:spcAft>
-                  <a:buFont typeface="Arial" panose="020B0604020202020204" pitchFamily="34" charset="0"/>
-                  <a:buChar char="»"/>
-                  <a:defRPr sz="2000" kern="1200">
-                    <a:solidFill>
-                      <a:schemeClr val="tx1"/>
-                    </a:solidFill>
-                    <a:latin typeface="+mn-lt"/>
-                    <a:ea typeface="+mn-ea"/>
-                    <a:cs typeface="+mn-cs"/>
-                    <a:sym typeface="Calibri" panose="020F0502020204030204" pitchFamily="34" charset="0"/>
-                  </a:defRPr>
-                </a:lvl5pPr>
-                <a:lvl6pPr marL="2514600" indent="-228600" algn="l" defTabSz="914400" rtl="0" eaLnBrk="1" latinLnBrk="0" hangingPunct="1">
-                  <a:lnSpc>
-                    <a:spcPct val="90000"/>
-                  </a:lnSpc>
-                  <a:spcBef>
-                    <a:spcPts val="500"/>
-                  </a:spcBef>
-                  <a:buFont typeface="Arial" panose="020B0604020202020204" pitchFamily="34" charset="0"/>
-                  <a:buChar char="•"/>
-                  <a:defRPr sz="1800" kern="1200">
-                    <a:solidFill>
-                      <a:schemeClr val="tx1"/>
-                    </a:solidFill>
-                    <a:latin typeface="+mn-lt"/>
-                    <a:ea typeface="+mn-ea"/>
-                    <a:cs typeface="+mn-cs"/>
-                  </a:defRPr>
-                </a:lvl6pPr>
-                <a:lvl7pPr marL="2971800" indent="-228600" algn="l" defTabSz="914400" rtl="0" eaLnBrk="1" latinLnBrk="0" hangingPunct="1">
-                  <a:lnSpc>
-                    <a:spcPct val="90000"/>
-                  </a:lnSpc>
-                  <a:spcBef>
-                    <a:spcPts val="500"/>
-                  </a:spcBef>
-                  <a:buFont typeface="Arial" panose="020B0604020202020204" pitchFamily="34" charset="0"/>
-                  <a:buChar char="•"/>
-                  <a:defRPr sz="1800" kern="1200">
-                    <a:solidFill>
-                      <a:schemeClr val="tx1"/>
-                    </a:solidFill>
-                    <a:latin typeface="+mn-lt"/>
-                    <a:ea typeface="+mn-ea"/>
-                    <a:cs typeface="+mn-cs"/>
-                  </a:defRPr>
-                </a:lvl7pPr>
-                <a:lvl8pPr marL="3429000" indent="-228600" algn="l" defTabSz="914400" rtl="0" eaLnBrk="1" latinLnBrk="0" hangingPunct="1">
-                  <a:lnSpc>
-                    <a:spcPct val="90000"/>
-                  </a:lnSpc>
-                  <a:spcBef>
-                    <a:spcPts val="500"/>
-                  </a:spcBef>
-                  <a:buFont typeface="Arial" panose="020B0604020202020204" pitchFamily="34" charset="0"/>
-                  <a:buChar char="•"/>
-                  <a:defRPr sz="1800" kern="1200">
-                    <a:solidFill>
-                      <a:schemeClr val="tx1"/>
-                    </a:solidFill>
-                    <a:latin typeface="+mn-lt"/>
-                    <a:ea typeface="+mn-ea"/>
-                    <a:cs typeface="+mn-cs"/>
-                  </a:defRPr>
-                </a:lvl8pPr>
-                <a:lvl9pPr marL="3886200" indent="-228600" algn="l" defTabSz="914400" rtl="0" eaLnBrk="1" latinLnBrk="0" hangingPunct="1">
-                  <a:lnSpc>
-                    <a:spcPct val="90000"/>
-                  </a:lnSpc>
-                  <a:spcBef>
-                    <a:spcPts val="500"/>
-                  </a:spcBef>
-                  <a:buFont typeface="Arial" panose="020B0604020202020204" pitchFamily="34" charset="0"/>
-                  <a:buChar char="•"/>
-                  <a:defRPr sz="1800" kern="1200">
-                    <a:solidFill>
-                      <a:schemeClr val="tx1"/>
-                    </a:solidFill>
-                    <a:latin typeface="+mn-lt"/>
-                    <a:ea typeface="+mn-ea"/>
-                    <a:cs typeface="+mn-cs"/>
-                  </a:defRPr>
-                </a:lvl9pPr>
-              </a:lstStyle>
-              <a:p>
-                <a:pPr marL="0" indent="0" eaLnBrk="1" hangingPunct="1">
-                  <a:lnSpc>
-                    <a:spcPct val="150000"/>
-                  </a:lnSpc>
-                  <a:buNone/>
-                  <a:defRPr/>
-                </a:pPr>
-                <a:r>
-                  <a:rPr lang="zh-CN" altLang="en-US" sz="1800" b="0" dirty="0">
-                    <a:solidFill>
-                      <a:schemeClr val="tx1">
-                        <a:lumMod val="65000"/>
-                        <a:lumOff val="35000"/>
-                      </a:schemeClr>
-                    </a:solidFill>
-                    <a:ea typeface="微软雅黑 Light" panose="020B0502040204020203" pitchFamily="34" charset="-122"/>
-                  </a:rPr>
-                  <a:t>当</a:t>
-                </a:r>
-                <a14:m>
-                  <m:oMath xmlns:m="http://schemas.openxmlformats.org/officeDocument/2006/math">
-                    <m:r>
-                      <a:rPr lang="en-US" altLang="zh-CN" sz="1800" i="1">
-                        <a:solidFill>
-                          <a:schemeClr val="tx1">
-                            <a:lumMod val="65000"/>
-                            <a:lumOff val="35000"/>
-                          </a:schemeClr>
-                        </a:solidFill>
-                        <a:latin typeface="Cambria Math" panose="02040503050406030204" pitchFamily="18" charset="0"/>
-                        <a:ea typeface="微软雅黑 Light" panose="020B0502040204020203" pitchFamily="34" charset="-122"/>
-                      </a:rPr>
-                      <m:t>𝑟𝑎𝑛𝑘</m:t>
-                    </m:r>
-                    <m:d>
-                      <m:dPr>
-                        <m:ctrlPr>
-                          <a:rPr lang="en-US" altLang="zh-CN" sz="1800" i="1">
-                            <a:solidFill>
-                              <a:schemeClr val="tx1">
-                                <a:lumMod val="65000"/>
-                                <a:lumOff val="35000"/>
-                              </a:schemeClr>
-                            </a:solidFill>
-                            <a:latin typeface="Cambria Math" panose="02040503050406030204" pitchFamily="18" charset="0"/>
-                            <a:ea typeface="微软雅黑 Light" panose="020B0502040204020203" pitchFamily="34" charset="-122"/>
-                          </a:rPr>
-                        </m:ctrlPr>
-                      </m:dPr>
-                      <m:e>
-                        <m:r>
-                          <a:rPr lang="en-US" altLang="zh-CN" sz="1800" i="1">
-                            <a:solidFill>
-                              <a:schemeClr val="tx1">
-                                <a:lumMod val="65000"/>
-                                <a:lumOff val="35000"/>
-                              </a:schemeClr>
-                            </a:solidFill>
-                            <a:latin typeface="Cambria Math" panose="02040503050406030204" pitchFamily="18" charset="0"/>
-                            <a:ea typeface="微软雅黑 Light" panose="020B0502040204020203" pitchFamily="34" charset="-122"/>
-                          </a:rPr>
-                          <m:t>𝑀</m:t>
-                        </m:r>
-                      </m:e>
-                    </m:d>
-                    <m:r>
-                      <a:rPr lang="en-US" altLang="zh-CN" sz="1800" i="1">
-                        <a:solidFill>
-                          <a:schemeClr val="tx1">
-                            <a:lumMod val="65000"/>
-                            <a:lumOff val="35000"/>
-                          </a:schemeClr>
-                        </a:solidFill>
-                        <a:latin typeface="Cambria Math" panose="02040503050406030204" pitchFamily="18" charset="0"/>
-                        <a:ea typeface="微软雅黑 Light" panose="020B0502040204020203" pitchFamily="34" charset="-122"/>
-                      </a:rPr>
-                      <m:t>=</m:t>
-                    </m:r>
-                    <m:r>
-                      <a:rPr lang="en-US" altLang="zh-CN" sz="1800" i="1">
-                        <a:solidFill>
-                          <a:schemeClr val="tx1">
-                            <a:lumMod val="65000"/>
-                            <a:lumOff val="35000"/>
-                          </a:schemeClr>
-                        </a:solidFill>
-                        <a:latin typeface="Cambria Math" panose="02040503050406030204" pitchFamily="18" charset="0"/>
-                        <a:ea typeface="微软雅黑 Light" panose="020B0502040204020203" pitchFamily="34" charset="-122"/>
-                      </a:rPr>
-                      <m:t>𝑛</m:t>
-                    </m:r>
-                  </m:oMath>
-                </a14:m>
-                <a:endParaRPr lang="en-US" altLang="zh-CN" sz="1800" i="1" dirty="0">
-                  <a:solidFill>
-                    <a:schemeClr val="tx1">
-                      <a:lumMod val="65000"/>
-                      <a:lumOff val="35000"/>
-                    </a:schemeClr>
-                  </a:solidFill>
-                  <a:latin typeface="Cambria Math" panose="02040503050406030204" pitchFamily="18" charset="0"/>
-                  <a:ea typeface="微软雅黑 Light" panose="020B0502040204020203" pitchFamily="34" charset="-122"/>
-                </a:endParaRPr>
-              </a:p>
-              <a:p>
-                <a:pPr marL="0" indent="0" algn="ctr" eaLnBrk="1" hangingPunct="1">
-                  <a:buNone/>
-                  <a:defRPr/>
-                </a:pPr>
-                <a14:m>
-                  <m:oMath xmlns:m="http://schemas.openxmlformats.org/officeDocument/2006/math">
-                    <m:sSub>
-                      <m:sSubPr>
-                        <m:ctrlPr>
-                          <a:rPr lang="en-US" altLang="zh-CN" sz="1800" i="1">
-                            <a:solidFill>
-                              <a:schemeClr val="tx1">
-                                <a:lumMod val="65000"/>
-                                <a:lumOff val="35000"/>
-                              </a:schemeClr>
-                            </a:solidFill>
-                            <a:latin typeface="Cambria Math" panose="02040503050406030204" pitchFamily="18" charset="0"/>
-                            <a:ea typeface="微软雅黑 Light" panose="020B0502040204020203" pitchFamily="34" charset="-122"/>
-                          </a:rPr>
-                        </m:ctrlPr>
-                      </m:sSubPr>
-                      <m:e>
-                        <m:r>
-                          <a:rPr lang="en-US" altLang="zh-CN" sz="1800" i="1">
-                            <a:solidFill>
-                              <a:schemeClr val="tx1">
-                                <a:lumMod val="65000"/>
-                                <a:lumOff val="35000"/>
-                              </a:schemeClr>
-                            </a:solidFill>
-                            <a:latin typeface="Cambria Math" panose="02040503050406030204" pitchFamily="18" charset="0"/>
-                            <a:ea typeface="微软雅黑 Light" panose="020B0502040204020203" pitchFamily="34" charset="-122"/>
-                          </a:rPr>
-                          <m:t>𝐸</m:t>
-                        </m:r>
-                      </m:e>
-                      <m:sub>
-                        <m:r>
-                          <a:rPr lang="en-US" altLang="zh-CN" sz="1800" i="1">
-                            <a:solidFill>
-                              <a:schemeClr val="tx1">
-                                <a:lumMod val="65000"/>
-                                <a:lumOff val="35000"/>
-                              </a:schemeClr>
-                            </a:solidFill>
-                            <a:latin typeface="Cambria Math" panose="02040503050406030204" pitchFamily="18" charset="0"/>
-                            <a:ea typeface="微软雅黑 Light" panose="020B0502040204020203" pitchFamily="34" charset="-122"/>
-                          </a:rPr>
-                          <m:t>𝑘</m:t>
-                        </m:r>
-                      </m:sub>
-                    </m:sSub>
-                    <m:sSub>
-                      <m:sSubPr>
-                        <m:ctrlPr>
-                          <a:rPr lang="en-US" altLang="zh-CN" sz="1800" i="1">
-                            <a:solidFill>
-                              <a:schemeClr val="tx1">
-                                <a:lumMod val="65000"/>
-                                <a:lumOff val="35000"/>
-                              </a:schemeClr>
-                            </a:solidFill>
-                            <a:latin typeface="Cambria Math" panose="02040503050406030204" pitchFamily="18" charset="0"/>
-                            <a:ea typeface="微软雅黑 Light" panose="020B0502040204020203" pitchFamily="34" charset="-122"/>
-                          </a:rPr>
-                        </m:ctrlPr>
-                      </m:sSubPr>
-                      <m:e>
-                        <m:r>
-                          <a:rPr lang="en-US" altLang="zh-CN" sz="1800" i="1">
-                            <a:solidFill>
-                              <a:schemeClr val="tx1">
-                                <a:lumMod val="65000"/>
-                                <a:lumOff val="35000"/>
-                              </a:schemeClr>
-                            </a:solidFill>
-                            <a:latin typeface="Cambria Math" panose="02040503050406030204" pitchFamily="18" charset="0"/>
-                            <a:ea typeface="微软雅黑 Light" panose="020B0502040204020203" pitchFamily="34" charset="-122"/>
-                          </a:rPr>
-                          <m:t>𝐸</m:t>
-                        </m:r>
-                      </m:e>
-                      <m:sub>
-                        <m:r>
-                          <a:rPr lang="en-US" altLang="zh-CN" sz="1800" i="1">
-                            <a:solidFill>
-                              <a:schemeClr val="tx1">
-                                <a:lumMod val="65000"/>
-                                <a:lumOff val="35000"/>
-                              </a:schemeClr>
-                            </a:solidFill>
-                            <a:latin typeface="Cambria Math" panose="02040503050406030204" pitchFamily="18" charset="0"/>
-                            <a:ea typeface="微软雅黑 Light" panose="020B0502040204020203" pitchFamily="34" charset="-122"/>
-                          </a:rPr>
-                          <m:t>𝑘</m:t>
-                        </m:r>
-                        <m:r>
-                          <a:rPr lang="en-US" altLang="zh-CN" sz="1800" i="1">
-                            <a:solidFill>
-                              <a:schemeClr val="tx1">
-                                <a:lumMod val="65000"/>
-                                <a:lumOff val="35000"/>
-                              </a:schemeClr>
-                            </a:solidFill>
-                            <a:latin typeface="Cambria Math" panose="02040503050406030204" pitchFamily="18" charset="0"/>
-                            <a:ea typeface="微软雅黑 Light" panose="020B0502040204020203" pitchFamily="34" charset="-122"/>
-                          </a:rPr>
-                          <m:t>−1</m:t>
-                        </m:r>
-                      </m:sub>
-                    </m:sSub>
-                    <m:r>
-                      <a:rPr lang="en-US" altLang="zh-CN" sz="1800" i="1">
-                        <a:solidFill>
-                          <a:schemeClr val="tx1">
-                            <a:lumMod val="65000"/>
-                            <a:lumOff val="35000"/>
-                          </a:schemeClr>
-                        </a:solidFill>
-                        <a:latin typeface="Cambria Math" panose="02040503050406030204" pitchFamily="18" charset="0"/>
-                        <a:ea typeface="微软雅黑 Light" panose="020B0502040204020203" pitchFamily="34" charset="-122"/>
-                      </a:rPr>
-                      <m:t>…</m:t>
-                    </m:r>
-                    <m:sSub>
-                      <m:sSubPr>
-                        <m:ctrlPr>
-                          <a:rPr lang="en-US" altLang="zh-CN" sz="1800" i="1">
-                            <a:solidFill>
-                              <a:schemeClr val="tx1">
-                                <a:lumMod val="65000"/>
-                                <a:lumOff val="35000"/>
-                              </a:schemeClr>
-                            </a:solidFill>
-                            <a:latin typeface="Cambria Math" panose="02040503050406030204" pitchFamily="18" charset="0"/>
-                            <a:ea typeface="微软雅黑 Light" panose="020B0502040204020203" pitchFamily="34" charset="-122"/>
-                          </a:rPr>
-                        </m:ctrlPr>
-                      </m:sSubPr>
-                      <m:e>
-                        <m:r>
-                          <a:rPr lang="en-US" altLang="zh-CN" sz="1800" i="1">
-                            <a:solidFill>
-                              <a:schemeClr val="tx1">
-                                <a:lumMod val="65000"/>
-                                <a:lumOff val="35000"/>
-                              </a:schemeClr>
-                            </a:solidFill>
-                            <a:latin typeface="Cambria Math" panose="02040503050406030204" pitchFamily="18" charset="0"/>
-                            <a:ea typeface="微软雅黑 Light" panose="020B0502040204020203" pitchFamily="34" charset="-122"/>
-                          </a:rPr>
-                          <m:t>𝐸</m:t>
-                        </m:r>
-                      </m:e>
-                      <m:sub>
-                        <m:r>
-                          <a:rPr lang="en-US" altLang="zh-CN" sz="1800" i="1">
-                            <a:solidFill>
-                              <a:schemeClr val="tx1">
-                                <a:lumMod val="65000"/>
-                                <a:lumOff val="35000"/>
-                              </a:schemeClr>
-                            </a:solidFill>
-                            <a:latin typeface="Cambria Math" panose="02040503050406030204" pitchFamily="18" charset="0"/>
-                            <a:ea typeface="微软雅黑 Light" panose="020B0502040204020203" pitchFamily="34" charset="-122"/>
-                          </a:rPr>
-                          <m:t>1</m:t>
-                        </m:r>
-                      </m:sub>
-                    </m:sSub>
-                    <m:r>
-                      <a:rPr lang="en-US" altLang="zh-CN" sz="1800" b="0" i="1" smtClean="0">
-                        <a:solidFill>
-                          <a:schemeClr val="tx1">
-                            <a:lumMod val="65000"/>
-                            <a:lumOff val="35000"/>
-                          </a:schemeClr>
-                        </a:solidFill>
-                        <a:latin typeface="Cambria Math" panose="02040503050406030204" pitchFamily="18" charset="0"/>
-                        <a:ea typeface="微软雅黑 Light" panose="020B0502040204020203" pitchFamily="34" charset="-122"/>
-                      </a:rPr>
-                      <m:t>𝑀</m:t>
-                    </m:r>
-                    <m:r>
-                      <a:rPr lang="en-US" altLang="zh-CN" sz="1800" b="0" i="1" smtClean="0">
-                        <a:solidFill>
-                          <a:schemeClr val="tx1">
-                            <a:lumMod val="65000"/>
-                            <a:lumOff val="35000"/>
-                          </a:schemeClr>
-                        </a:solidFill>
-                        <a:latin typeface="Cambria Math" panose="02040503050406030204" pitchFamily="18" charset="0"/>
-                        <a:ea typeface="微软雅黑 Light" panose="020B0502040204020203" pitchFamily="34" charset="-122"/>
-                      </a:rPr>
-                      <m:t>=</m:t>
-                    </m:r>
-                  </m:oMath>
-                </a14:m>
-                <a:r>
-                  <a:rPr lang="en-US" altLang="zh-CN" sz="1800" dirty="0">
-                    <a:solidFill>
-                      <a:schemeClr val="tx1">
-                        <a:lumMod val="65000"/>
-                        <a:lumOff val="35000"/>
-                      </a:schemeClr>
-                    </a:solidFill>
-                    <a:ea typeface="微软雅黑 Light" panose="020B0502040204020203" pitchFamily="34" charset="-122"/>
-                  </a:rPr>
-                  <a:t> </a:t>
-                </a:r>
-                <a14:m>
-                  <m:oMath xmlns:m="http://schemas.openxmlformats.org/officeDocument/2006/math">
-                    <m:d>
-                      <m:dPr>
-                        <m:begChr m:val="["/>
-                        <m:endChr m:val="]"/>
-                        <m:ctrlPr>
-                          <a:rPr lang="en-US" altLang="zh-CN" sz="1800" i="1">
-                            <a:solidFill>
-                              <a:schemeClr val="tx1">
-                                <a:lumMod val="65000"/>
-                                <a:lumOff val="35000"/>
-                              </a:schemeClr>
-                            </a:solidFill>
-                            <a:latin typeface="Cambria Math" panose="02040503050406030204" pitchFamily="18" charset="0"/>
-                            <a:ea typeface="微软雅黑 Light" panose="020B0502040204020203" pitchFamily="34" charset="-122"/>
-                          </a:rPr>
-                        </m:ctrlPr>
-                      </m:dPr>
-                      <m:e>
-                        <m:m>
-                          <m:mPr>
-                            <m:mcs>
-                              <m:mc>
-                                <m:mcPr>
-                                  <m:count m:val="4"/>
-                                  <m:mcJc m:val="center"/>
-                                </m:mcPr>
-                              </m:mc>
-                            </m:mcs>
-                            <m:ctrlPr>
-                              <a:rPr lang="en-US" altLang="zh-CN" sz="1800" b="0" i="1" smtClean="0">
-                                <a:solidFill>
-                                  <a:schemeClr val="tx1">
-                                    <a:lumMod val="65000"/>
-                                    <a:lumOff val="35000"/>
-                                  </a:schemeClr>
-                                </a:solidFill>
-                                <a:latin typeface="Cambria Math" panose="02040503050406030204" pitchFamily="18" charset="0"/>
-                                <a:ea typeface="微软雅黑 Light" panose="020B0502040204020203" pitchFamily="34" charset="-122"/>
-                              </a:rPr>
-                            </m:ctrlPr>
-                          </m:mPr>
-                          <m:mr>
-                            <m:e>
-                              <m:r>
-                                <m:rPr>
-                                  <m:brk m:alnAt="7"/>
-                                </m:rPr>
-                                <a:rPr lang="en-US" altLang="zh-CN" sz="1800" b="0" i="1" smtClean="0">
-                                  <a:solidFill>
-                                    <a:schemeClr val="tx1">
-                                      <a:lumMod val="65000"/>
-                                      <a:lumOff val="35000"/>
-                                    </a:schemeClr>
-                                  </a:solidFill>
-                                  <a:latin typeface="Cambria Math" panose="02040503050406030204" pitchFamily="18" charset="0"/>
-                                  <a:ea typeface="微软雅黑 Light" panose="020B0502040204020203" pitchFamily="34" charset="-122"/>
-                                </a:rPr>
-                                <m:t>1</m:t>
-                              </m:r>
-                            </m:e>
-                            <m:e>
-                              <m:r>
-                                <a:rPr lang="en-US" altLang="zh-CN" sz="1800" b="0" i="1" smtClean="0">
-                                  <a:solidFill>
-                                    <a:schemeClr val="tx1">
-                                      <a:lumMod val="65000"/>
-                                      <a:lumOff val="35000"/>
-                                    </a:schemeClr>
-                                  </a:solidFill>
-                                  <a:latin typeface="Cambria Math" panose="02040503050406030204" pitchFamily="18" charset="0"/>
-                                  <a:ea typeface="微软雅黑 Light" panose="020B0502040204020203" pitchFamily="34" charset="-122"/>
-                                </a:rPr>
-                                <m:t>∗</m:t>
-                              </m:r>
-                            </m:e>
-                            <m:e>
-                              <m:r>
-                                <a:rPr lang="en-US" altLang="zh-CN" sz="1800" b="0" i="1" smtClean="0">
-                                  <a:solidFill>
-                                    <a:schemeClr val="tx1">
-                                      <a:lumMod val="65000"/>
-                                      <a:lumOff val="35000"/>
-                                    </a:schemeClr>
-                                  </a:solidFill>
-                                  <a:latin typeface="Cambria Math" panose="02040503050406030204" pitchFamily="18" charset="0"/>
-                                  <a:ea typeface="微软雅黑 Light" panose="020B0502040204020203" pitchFamily="34" charset="-122"/>
-                                </a:rPr>
-                                <m:t>…</m:t>
-                              </m:r>
-                            </m:e>
-                            <m:e>
-                              <m:r>
-                                <a:rPr lang="en-US" altLang="zh-CN" sz="1800" b="0" i="1" smtClean="0">
-                                  <a:solidFill>
-                                    <a:schemeClr val="tx1">
-                                      <a:lumMod val="65000"/>
-                                      <a:lumOff val="35000"/>
-                                    </a:schemeClr>
-                                  </a:solidFill>
-                                  <a:latin typeface="Cambria Math" panose="02040503050406030204" pitchFamily="18" charset="0"/>
-                                  <a:ea typeface="微软雅黑 Light" panose="020B0502040204020203" pitchFamily="34" charset="-122"/>
-                                </a:rPr>
-                                <m:t>∗</m:t>
-                              </m:r>
-                            </m:e>
-                          </m:mr>
-                          <m:mr>
-                            <m:e>
-                              <m:r>
-                                <a:rPr lang="en-US" altLang="zh-CN" sz="1800" b="0" i="1" smtClean="0">
-                                  <a:solidFill>
-                                    <a:schemeClr val="tx1">
-                                      <a:lumMod val="65000"/>
-                                      <a:lumOff val="35000"/>
-                                    </a:schemeClr>
-                                  </a:solidFill>
-                                  <a:latin typeface="Cambria Math" panose="02040503050406030204" pitchFamily="18" charset="0"/>
-                                  <a:ea typeface="微软雅黑 Light" panose="020B0502040204020203" pitchFamily="34" charset="-122"/>
-                                </a:rPr>
-                                <m:t>0</m:t>
-                              </m:r>
-                            </m:e>
-                            <m:e>
-                              <m:r>
-                                <a:rPr lang="en-US" altLang="zh-CN" sz="1800" b="0" i="1" smtClean="0">
-                                  <a:solidFill>
-                                    <a:schemeClr val="tx1">
-                                      <a:lumMod val="65000"/>
-                                      <a:lumOff val="35000"/>
-                                    </a:schemeClr>
-                                  </a:solidFill>
-                                  <a:latin typeface="Cambria Math" panose="02040503050406030204" pitchFamily="18" charset="0"/>
-                                  <a:ea typeface="微软雅黑 Light" panose="020B0502040204020203" pitchFamily="34" charset="-122"/>
-                                </a:rPr>
-                                <m:t>1</m:t>
-                              </m:r>
-                            </m:e>
-                            <m:e>
-                              <m:r>
-                                <a:rPr lang="en-US" altLang="zh-CN" sz="1800" b="0" i="1" smtClean="0">
-                                  <a:solidFill>
-                                    <a:schemeClr val="tx1">
-                                      <a:lumMod val="65000"/>
-                                      <a:lumOff val="35000"/>
-                                    </a:schemeClr>
-                                  </a:solidFill>
-                                  <a:latin typeface="Cambria Math" panose="02040503050406030204" pitchFamily="18" charset="0"/>
-                                  <a:ea typeface="微软雅黑 Light" panose="020B0502040204020203" pitchFamily="34" charset="-122"/>
-                                </a:rPr>
-                                <m:t>…</m:t>
-                              </m:r>
-                            </m:e>
-                            <m:e>
-                              <m:r>
-                                <a:rPr lang="en-US" altLang="zh-CN" sz="1800" b="0" i="1" smtClean="0">
-                                  <a:solidFill>
-                                    <a:schemeClr val="tx1">
-                                      <a:lumMod val="65000"/>
-                                      <a:lumOff val="35000"/>
-                                    </a:schemeClr>
-                                  </a:solidFill>
-                                  <a:latin typeface="Cambria Math" panose="02040503050406030204" pitchFamily="18" charset="0"/>
-                                  <a:ea typeface="微软雅黑 Light" panose="020B0502040204020203" pitchFamily="34" charset="-122"/>
-                                </a:rPr>
-                                <m:t>∗</m:t>
-                              </m:r>
-                            </m:e>
-                          </m:mr>
-                          <m:mr>
-                            <m:e>
-                              <m:r>
-                                <a:rPr lang="en-US" altLang="zh-CN" sz="1800" i="1">
-                                  <a:solidFill>
-                                    <a:schemeClr val="tx1">
-                                      <a:lumMod val="65000"/>
-                                      <a:lumOff val="35000"/>
-                                    </a:schemeClr>
-                                  </a:solidFill>
-                                  <a:latin typeface="Cambria Math" panose="02040503050406030204" pitchFamily="18" charset="0"/>
-                                  <a:ea typeface="Cambria Math" panose="02040503050406030204" pitchFamily="18" charset="0"/>
-                                </a:rPr>
-                                <m:t>⋮</m:t>
-                              </m:r>
-                            </m:e>
-                            <m:e>
-                              <m:r>
-                                <a:rPr lang="en-US" altLang="zh-CN" sz="1800" i="1">
-                                  <a:solidFill>
-                                    <a:schemeClr val="tx1">
-                                      <a:lumMod val="65000"/>
-                                      <a:lumOff val="35000"/>
-                                    </a:schemeClr>
-                                  </a:solidFill>
-                                  <a:latin typeface="Cambria Math" panose="02040503050406030204" pitchFamily="18" charset="0"/>
-                                  <a:ea typeface="Cambria Math" panose="02040503050406030204" pitchFamily="18" charset="0"/>
-                                </a:rPr>
-                                <m:t>⋮</m:t>
-                              </m:r>
-                            </m:e>
-                            <m:e>
-                              <m:r>
-                                <a:rPr lang="en-US" altLang="zh-CN" sz="1800" i="1">
-                                  <a:solidFill>
-                                    <a:schemeClr val="tx1">
-                                      <a:lumMod val="65000"/>
-                                      <a:lumOff val="35000"/>
-                                    </a:schemeClr>
-                                  </a:solidFill>
-                                  <a:latin typeface="Cambria Math" panose="02040503050406030204" pitchFamily="18" charset="0"/>
-                                  <a:ea typeface="Cambria Math" panose="02040503050406030204" pitchFamily="18" charset="0"/>
-                                </a:rPr>
-                                <m:t>⋮</m:t>
-                              </m:r>
-                            </m:e>
-                            <m:e>
-                              <m:r>
-                                <a:rPr lang="en-US" altLang="zh-CN" sz="1800" i="1">
-                                  <a:solidFill>
-                                    <a:schemeClr val="tx1">
-                                      <a:lumMod val="65000"/>
-                                      <a:lumOff val="35000"/>
-                                    </a:schemeClr>
-                                  </a:solidFill>
-                                  <a:latin typeface="Cambria Math" panose="02040503050406030204" pitchFamily="18" charset="0"/>
-                                  <a:ea typeface="Cambria Math" panose="02040503050406030204" pitchFamily="18" charset="0"/>
-                                </a:rPr>
-                                <m:t>⋮</m:t>
-                              </m:r>
-                            </m:e>
-                          </m:mr>
-                          <m:mr>
-                            <m:e>
-                              <m:r>
-                                <a:rPr lang="en-US" altLang="zh-CN" sz="1800" b="0" i="1" smtClean="0">
-                                  <a:solidFill>
-                                    <a:schemeClr val="tx1">
-                                      <a:lumMod val="65000"/>
-                                      <a:lumOff val="35000"/>
-                                    </a:schemeClr>
-                                  </a:solidFill>
-                                  <a:latin typeface="Cambria Math" panose="02040503050406030204" pitchFamily="18" charset="0"/>
-                                  <a:ea typeface="微软雅黑 Light" panose="020B0502040204020203" pitchFamily="34" charset="-122"/>
-                                </a:rPr>
-                                <m:t>0</m:t>
-                              </m:r>
-                            </m:e>
-                            <m:e>
-                              <m:r>
-                                <a:rPr lang="en-US" altLang="zh-CN" sz="1800" b="0" i="1" smtClean="0">
-                                  <a:solidFill>
-                                    <a:schemeClr val="tx1">
-                                      <a:lumMod val="65000"/>
-                                      <a:lumOff val="35000"/>
-                                    </a:schemeClr>
-                                  </a:solidFill>
-                                  <a:latin typeface="Cambria Math" panose="02040503050406030204" pitchFamily="18" charset="0"/>
-                                  <a:ea typeface="微软雅黑 Light" panose="020B0502040204020203" pitchFamily="34" charset="-122"/>
-                                </a:rPr>
-                                <m:t>0</m:t>
-                              </m:r>
-                            </m:e>
-                            <m:e>
-                              <m:r>
-                                <a:rPr lang="en-US" altLang="zh-CN" sz="1800" i="1">
-                                  <a:solidFill>
-                                    <a:schemeClr val="tx1">
-                                      <a:lumMod val="65000"/>
-                                      <a:lumOff val="35000"/>
-                                    </a:schemeClr>
-                                  </a:solidFill>
-                                  <a:latin typeface="Cambria Math" panose="02040503050406030204" pitchFamily="18" charset="0"/>
-                                  <a:ea typeface="微软雅黑 Light" panose="020B0502040204020203" pitchFamily="34" charset="-122"/>
-                                </a:rPr>
-                                <m:t>0</m:t>
-                              </m:r>
-                            </m:e>
-                            <m:e>
-                              <m:r>
-                                <a:rPr lang="en-US" altLang="zh-CN" sz="1800" b="0" i="1">
-                                  <a:solidFill>
-                                    <a:schemeClr val="tx1">
-                                      <a:lumMod val="65000"/>
-                                      <a:lumOff val="35000"/>
-                                    </a:schemeClr>
-                                  </a:solidFill>
-                                  <a:latin typeface="Cambria Math" panose="02040503050406030204" pitchFamily="18" charset="0"/>
-                                  <a:ea typeface="微软雅黑 Light" panose="020B0502040204020203" pitchFamily="34" charset="-122"/>
-                                </a:rPr>
-                                <m:t>1</m:t>
-                              </m:r>
-                            </m:e>
-                          </m:mr>
-                        </m:m>
-                      </m:e>
-                    </m:d>
-                  </m:oMath>
-                </a14:m>
-                <a:endParaRPr lang="en-US" altLang="zh-CN" sz="1800" dirty="0">
-                  <a:solidFill>
-                    <a:schemeClr val="tx1">
-                      <a:lumMod val="65000"/>
-                      <a:lumOff val="35000"/>
-                    </a:schemeClr>
-                  </a:solidFill>
-                  <a:ea typeface="微软雅黑 Light" panose="020B0502040204020203" pitchFamily="34" charset="-122"/>
-                </a:endParaRPr>
-              </a:p>
-              <a:p>
-                <a:pPr marL="0" indent="0" eaLnBrk="1" hangingPunct="1">
-                  <a:lnSpc>
-                    <a:spcPct val="150000"/>
-                  </a:lnSpc>
-                  <a:buNone/>
-                  <a:defRPr/>
-                </a:pPr>
-                <a:r>
-                  <a:rPr lang="zh-CN" altLang="en-US" sz="1800" dirty="0">
-                    <a:solidFill>
-                      <a:schemeClr val="tx1">
-                        <a:lumMod val="65000"/>
-                        <a:lumOff val="35000"/>
-                      </a:schemeClr>
-                    </a:solidFill>
-                    <a:latin typeface="微软雅黑 Light" panose="020B0502040204020203" pitchFamily="34" charset="-122"/>
-                    <a:ea typeface="微软雅黑 Light" panose="020B0502040204020203" pitchFamily="34" charset="-122"/>
-                  </a:rPr>
-                  <a:t>因此，我们总是找到</a:t>
-                </a:r>
-                <a14:m>
-                  <m:oMath xmlns:m="http://schemas.openxmlformats.org/officeDocument/2006/math">
-                    <m:sSub>
-                      <m:sSubPr>
-                        <m:ctrlPr>
-                          <a:rPr lang="en-US" altLang="zh-CN" sz="1800" i="1">
-                            <a:solidFill>
-                              <a:schemeClr val="tx1">
-                                <a:lumMod val="65000"/>
-                                <a:lumOff val="35000"/>
-                              </a:schemeClr>
-                            </a:solidFill>
-                            <a:latin typeface="Cambria Math" panose="02040503050406030204" pitchFamily="18" charset="0"/>
-                            <a:ea typeface="微软雅黑 Light" panose="020B0502040204020203" pitchFamily="34" charset="-122"/>
-                          </a:rPr>
-                        </m:ctrlPr>
-                      </m:sSubPr>
-                      <m:e>
-                        <m:r>
-                          <a:rPr lang="en-US" altLang="zh-CN" sz="1800" i="1">
-                            <a:solidFill>
-                              <a:schemeClr val="tx1">
-                                <a:lumMod val="65000"/>
-                                <a:lumOff val="35000"/>
-                              </a:schemeClr>
-                            </a:solidFill>
-                            <a:latin typeface="Cambria Math" panose="02040503050406030204" pitchFamily="18" charset="0"/>
-                            <a:ea typeface="微软雅黑 Light" panose="020B0502040204020203" pitchFamily="34" charset="-122"/>
-                          </a:rPr>
-                          <m:t>𝐸</m:t>
-                        </m:r>
-                      </m:e>
-                      <m:sub>
-                        <m:r>
-                          <a:rPr lang="en-US" altLang="zh-CN" sz="1800" i="1">
-                            <a:solidFill>
-                              <a:schemeClr val="tx1">
-                                <a:lumMod val="65000"/>
-                                <a:lumOff val="35000"/>
-                              </a:schemeClr>
-                            </a:solidFill>
-                            <a:latin typeface="Cambria Math" panose="02040503050406030204" pitchFamily="18" charset="0"/>
-                            <a:ea typeface="微软雅黑 Light" panose="020B0502040204020203" pitchFamily="34" charset="-122"/>
-                          </a:rPr>
-                          <m:t>𝑘</m:t>
-                        </m:r>
-                      </m:sub>
-                    </m:sSub>
-                    <m:sSub>
-                      <m:sSubPr>
-                        <m:ctrlPr>
-                          <a:rPr lang="en-US" altLang="zh-CN" sz="1800" i="1">
-                            <a:solidFill>
-                              <a:schemeClr val="tx1">
-                                <a:lumMod val="65000"/>
-                                <a:lumOff val="35000"/>
-                              </a:schemeClr>
-                            </a:solidFill>
-                            <a:latin typeface="Cambria Math" panose="02040503050406030204" pitchFamily="18" charset="0"/>
-                            <a:ea typeface="微软雅黑 Light" panose="020B0502040204020203" pitchFamily="34" charset="-122"/>
-                          </a:rPr>
-                        </m:ctrlPr>
-                      </m:sSubPr>
-                      <m:e>
-                        <m:r>
-                          <a:rPr lang="en-US" altLang="zh-CN" sz="1800" i="1">
-                            <a:solidFill>
-                              <a:schemeClr val="tx1">
-                                <a:lumMod val="65000"/>
-                                <a:lumOff val="35000"/>
-                              </a:schemeClr>
-                            </a:solidFill>
-                            <a:latin typeface="Cambria Math" panose="02040503050406030204" pitchFamily="18" charset="0"/>
-                            <a:ea typeface="微软雅黑 Light" panose="020B0502040204020203" pitchFamily="34" charset="-122"/>
-                          </a:rPr>
-                          <m:t>𝐸</m:t>
-                        </m:r>
-                      </m:e>
-                      <m:sub>
-                        <m:r>
-                          <a:rPr lang="en-US" altLang="zh-CN" sz="1800" i="1">
-                            <a:solidFill>
-                              <a:schemeClr val="tx1">
-                                <a:lumMod val="65000"/>
-                                <a:lumOff val="35000"/>
-                              </a:schemeClr>
-                            </a:solidFill>
-                            <a:latin typeface="Cambria Math" panose="02040503050406030204" pitchFamily="18" charset="0"/>
-                            <a:ea typeface="微软雅黑 Light" panose="020B0502040204020203" pitchFamily="34" charset="-122"/>
-                          </a:rPr>
-                          <m:t>𝑘</m:t>
-                        </m:r>
-                        <m:r>
-                          <a:rPr lang="en-US" altLang="zh-CN" sz="1800" i="1">
-                            <a:solidFill>
-                              <a:schemeClr val="tx1">
-                                <a:lumMod val="65000"/>
-                                <a:lumOff val="35000"/>
-                              </a:schemeClr>
-                            </a:solidFill>
-                            <a:latin typeface="Cambria Math" panose="02040503050406030204" pitchFamily="18" charset="0"/>
-                            <a:ea typeface="微软雅黑 Light" panose="020B0502040204020203" pitchFamily="34" charset="-122"/>
-                          </a:rPr>
-                          <m:t>−1</m:t>
-                        </m:r>
-                      </m:sub>
-                    </m:sSub>
-                    <m:r>
-                      <a:rPr lang="en-US" altLang="zh-CN" sz="1800" i="1">
-                        <a:solidFill>
-                          <a:schemeClr val="tx1">
-                            <a:lumMod val="65000"/>
-                            <a:lumOff val="35000"/>
-                          </a:schemeClr>
-                        </a:solidFill>
-                        <a:latin typeface="Cambria Math" panose="02040503050406030204" pitchFamily="18" charset="0"/>
-                        <a:ea typeface="微软雅黑 Light" panose="020B0502040204020203" pitchFamily="34" charset="-122"/>
-                      </a:rPr>
-                      <m:t>…</m:t>
-                    </m:r>
-                    <m:sSub>
-                      <m:sSubPr>
-                        <m:ctrlPr>
-                          <a:rPr lang="en-US" altLang="zh-CN" sz="1800" i="1">
-                            <a:solidFill>
-                              <a:schemeClr val="tx1">
-                                <a:lumMod val="65000"/>
-                                <a:lumOff val="35000"/>
-                              </a:schemeClr>
-                            </a:solidFill>
-                            <a:latin typeface="Cambria Math" panose="02040503050406030204" pitchFamily="18" charset="0"/>
-                            <a:ea typeface="微软雅黑 Light" panose="020B0502040204020203" pitchFamily="34" charset="-122"/>
-                          </a:rPr>
-                        </m:ctrlPr>
-                      </m:sSubPr>
-                      <m:e>
-                        <m:r>
-                          <a:rPr lang="en-US" altLang="zh-CN" sz="1800" i="1">
-                            <a:solidFill>
-                              <a:schemeClr val="tx1">
-                                <a:lumMod val="65000"/>
-                                <a:lumOff val="35000"/>
-                              </a:schemeClr>
-                            </a:solidFill>
-                            <a:latin typeface="Cambria Math" panose="02040503050406030204" pitchFamily="18" charset="0"/>
-                            <a:ea typeface="微软雅黑 Light" panose="020B0502040204020203" pitchFamily="34" charset="-122"/>
-                          </a:rPr>
-                          <m:t>𝐸</m:t>
-                        </m:r>
-                      </m:e>
-                      <m:sub>
-                        <m:r>
-                          <a:rPr lang="en-US" altLang="zh-CN" sz="1800" i="1">
-                            <a:solidFill>
-                              <a:schemeClr val="tx1">
-                                <a:lumMod val="65000"/>
-                                <a:lumOff val="35000"/>
-                              </a:schemeClr>
-                            </a:solidFill>
-                            <a:latin typeface="Cambria Math" panose="02040503050406030204" pitchFamily="18" charset="0"/>
-                            <a:ea typeface="微软雅黑 Light" panose="020B0502040204020203" pitchFamily="34" charset="-122"/>
-                          </a:rPr>
-                          <m:t>1</m:t>
-                        </m:r>
-                      </m:sub>
-                    </m:sSub>
-                  </m:oMath>
-                </a14:m>
-                <a:r>
-                  <a:rPr lang="zh-CN" altLang="en-US" sz="1800" dirty="0">
-                    <a:solidFill>
-                      <a:schemeClr val="tx1">
-                        <a:lumMod val="65000"/>
-                        <a:lumOff val="35000"/>
-                      </a:schemeClr>
-                    </a:solidFill>
-                    <a:latin typeface="微软雅黑 Light" panose="020B0502040204020203" pitchFamily="34" charset="-122"/>
-                    <a:ea typeface="微软雅黑 Light" panose="020B0502040204020203" pitchFamily="34" charset="-122"/>
-                  </a:rPr>
-                  <a:t>，使得</a:t>
-                </a:r>
-                <a14:m>
-                  <m:oMath xmlns:m="http://schemas.openxmlformats.org/officeDocument/2006/math">
-                    <m:r>
-                      <a:rPr lang="en-US" altLang="zh-CN" sz="1800" i="1">
-                        <a:solidFill>
-                          <a:schemeClr val="tx1">
-                            <a:lumMod val="65000"/>
-                            <a:lumOff val="35000"/>
-                          </a:schemeClr>
-                        </a:solidFill>
-                        <a:latin typeface="Cambria Math" panose="02040503050406030204" pitchFamily="18" charset="0"/>
-                        <a:ea typeface="微软雅黑 Light" panose="020B0502040204020203" pitchFamily="34" charset="-122"/>
-                      </a:rPr>
-                      <m:t>𝑀</m:t>
-                    </m:r>
-                    <m:r>
-                      <a:rPr lang="zh-CN" altLang="en-US" sz="1800" i="1">
-                        <a:solidFill>
-                          <a:schemeClr val="tx1">
-                            <a:lumMod val="65000"/>
-                            <a:lumOff val="35000"/>
-                          </a:schemeClr>
-                        </a:solidFill>
-                        <a:latin typeface="Cambria Math" panose="02040503050406030204" pitchFamily="18" charset="0"/>
-                        <a:ea typeface="微软雅黑 Light" panose="020B0502040204020203" pitchFamily="34" charset="-122"/>
-                      </a:rPr>
-                      <m:t>变成</m:t>
-                    </m:r>
-                    <m:sSub>
-                      <m:sSubPr>
-                        <m:ctrlPr>
-                          <a:rPr lang="en-US" altLang="zh-CN" sz="1800" i="1">
-                            <a:solidFill>
-                              <a:schemeClr val="tx1">
-                                <a:lumMod val="65000"/>
-                                <a:lumOff val="35000"/>
-                              </a:schemeClr>
-                            </a:solidFill>
-                            <a:latin typeface="Cambria Math" panose="02040503050406030204" pitchFamily="18" charset="0"/>
-                            <a:ea typeface="微软雅黑 Light" panose="020B0502040204020203" pitchFamily="34" charset="-122"/>
-                          </a:rPr>
-                        </m:ctrlPr>
-                      </m:sSubPr>
-                      <m:e>
-                        <m:r>
-                          <a:rPr lang="en-US" altLang="zh-CN" sz="1800" i="1">
-                            <a:solidFill>
-                              <a:schemeClr val="tx1">
-                                <a:lumMod val="65000"/>
-                                <a:lumOff val="35000"/>
-                              </a:schemeClr>
-                            </a:solidFill>
-                            <a:latin typeface="Cambria Math" panose="02040503050406030204" pitchFamily="18" charset="0"/>
-                            <a:ea typeface="微软雅黑 Light" panose="020B0502040204020203" pitchFamily="34" charset="-122"/>
-                          </a:rPr>
-                          <m:t>𝐼</m:t>
-                        </m:r>
-                      </m:e>
-                      <m:sub>
-                        <m:r>
-                          <a:rPr lang="en-US" altLang="zh-CN" sz="1800" i="1">
-                            <a:solidFill>
-                              <a:schemeClr val="tx1">
-                                <a:lumMod val="65000"/>
-                                <a:lumOff val="35000"/>
-                              </a:schemeClr>
-                            </a:solidFill>
-                            <a:latin typeface="Cambria Math" panose="02040503050406030204" pitchFamily="18" charset="0"/>
-                            <a:ea typeface="微软雅黑 Light" panose="020B0502040204020203" pitchFamily="34" charset="-122"/>
-                          </a:rPr>
-                          <m:t>𝑛</m:t>
-                        </m:r>
-                      </m:sub>
-                    </m:sSub>
-                  </m:oMath>
-                </a14:m>
-                <a:endParaRPr lang="en-US" altLang="zh-CN" sz="1800" dirty="0">
-                  <a:solidFill>
-                    <a:schemeClr val="tx1">
-                      <a:lumMod val="65000"/>
-                      <a:lumOff val="35000"/>
-                    </a:schemeClr>
-                  </a:solidFill>
-                  <a:latin typeface="微软雅黑 Light" panose="020B0502040204020203" pitchFamily="34" charset="-122"/>
-                  <a:ea typeface="微软雅黑 Light" panose="020B0502040204020203" pitchFamily="34" charset="-122"/>
-                </a:endParaRPr>
-              </a:p>
-            </p:txBody>
-          </p:sp>
-        </mc:Choice>
-        <mc:Fallback xmlns="">
-          <p:sp>
-            <p:nvSpPr>
-              <p:cNvPr id="4" name="Content Placeholder 3">
-                <a:extLst>
-                  <a:ext uri="{FF2B5EF4-FFF2-40B4-BE49-F238E27FC236}">
-                    <a16:creationId xmlns:a16="http://schemas.microsoft.com/office/drawing/2014/main" id="{368B2D2E-6A5C-4FE0-91BB-6CC0CC9AEF62}"/>
-                  </a:ext>
-                </a:extLst>
-              </p:cNvPr>
-              <p:cNvSpPr txBox="1">
-                <a:spLocks noRot="1" noChangeAspect="1" noMove="1" noResize="1" noEditPoints="1" noAdjustHandles="1" noChangeArrowheads="1" noChangeShapeType="1" noTextEdit="1"/>
-              </p:cNvSpPr>
-              <p:nvPr/>
-            </p:nvSpPr>
-            <p:spPr>
-              <a:xfrm>
-                <a:off x="457200" y="1131888"/>
-                <a:ext cx="8229600" cy="3925887"/>
-              </a:xfrm>
-              <a:prstGeom prst="rect">
-                <a:avLst/>
-              </a:prstGeom>
-              <a:blipFill>
-                <a:blip r:embed="rId3"/>
-                <a:stretch>
-                  <a:fillRect l="-593"/>
-                </a:stretch>
-              </a:blipFill>
-            </p:spPr>
-            <p:txBody>
-              <a:bodyPr/>
-              <a:lstStyle/>
-              <a:p>
-                <a:r>
-                  <a:rPr lang="zh-CN" altLang="en-US">
-                    <a:noFill/>
-                  </a:rPr>
-                  <a:t> </a:t>
-                </a:r>
-              </a:p>
-            </p:txBody>
-          </p:sp>
-        </mc:Fallback>
-      </mc:AlternateContent>
-    </p:spTree>
-    <p:extLst>
-      <p:ext uri="{BB962C8B-B14F-4D97-AF65-F5344CB8AC3E}">
-        <p14:creationId xmlns:p14="http://schemas.microsoft.com/office/powerpoint/2010/main" val="905578526"/>
-      </p:ext>
-    </p:extLst>
-  </p:cSld>
-  <p:clrMapOvr>
-    <a:masterClrMapping/>
-  </p:clrMapOvr>
-</p:sld>
-</file>
-
-<file path=ppt/slides/slide13.xml><?xml version="1.0" encoding="utf-8"?>
-<p:sld xmlns:a="http://schemas.openxmlformats.org/drawingml/2006/main" xmlns:r="http://schemas.openxmlformats.org/officeDocument/2006/relationships" xmlns:p="http://schemas.openxmlformats.org/presentationml/2006/main">
-  <p:cSld>
-    <p:spTree>
-      <p:nvGrpSpPr>
-        <p:cNvPr id="1" name=""/>
-        <p:cNvGrpSpPr/>
-        <p:nvPr/>
-      </p:nvGrpSpPr>
-      <p:grpSpPr>
-        <a:xfrm>
-          <a:off x="0" y="0"/>
-          <a:ext cx="0" cy="0"/>
-          <a:chOff x="0" y="0"/>
-          <a:chExt cx="0" cy="0"/>
-        </a:xfrm>
-      </p:grpSpPr>
-      <p:pic>
-        <p:nvPicPr>
           <p:cNvPr id="8194" name="Picture 2" descr="D:\work\CSDN学院ppt\5.jpg">
             <a:extLst>
               <a:ext uri="{FF2B5EF4-FFF2-40B4-BE49-F238E27FC236}">
@@ -11932,6 +10602,19 @@
                           </m:eqArr>
                         </m:e>
                       </m:d>
+                      <m:r>
+                        <a:rPr lang="en-US" altLang="zh-CN" sz="1600" b="0" i="1" dirty="0" smtClean="0">
+                          <a:solidFill>
+                            <a:schemeClr val="tx1">
+                              <a:lumMod val="65000"/>
+                              <a:lumOff val="35000"/>
+                            </a:schemeClr>
+                          </a:solidFill>
+                          <a:latin typeface="Cambria Math" panose="02040503050406030204" pitchFamily="18" charset="0"/>
+                          <a:ea typeface="微软雅黑 Light" panose="020B0502040204020203" pitchFamily="34" charset="-122"/>
+                        </a:rPr>
+                        <m:t>=</m:t>
+                      </m:r>
                       <m:d>
                         <m:dPr>
                           <m:begChr m:val="["/>
@@ -12056,46 +10739,7 @@
                                   <a:latin typeface="Cambria Math" panose="02040503050406030204" pitchFamily="18" charset="0"/>
                                   <a:ea typeface="微软雅黑 Light" panose="020B0502040204020203" pitchFamily="34" charset="-122"/>
                                 </a:rPr>
-                                <m:t>1 </m:t>
-                              </m:r>
-                              <m:r>
-                                <a:rPr lang="en-US" altLang="zh-CN" sz="1600" i="1" dirty="0">
-                                  <a:solidFill>
-                                    <a:schemeClr val="tx1">
-                                      <a:lumMod val="65000"/>
-                                      <a:lumOff val="35000"/>
-                                    </a:schemeClr>
-                                  </a:solidFill>
-                                  <a:latin typeface="Cambria Math" panose="02040503050406030204" pitchFamily="18" charset="0"/>
-                                  <a:ea typeface="微软雅黑 Light" panose="020B0502040204020203" pitchFamily="34" charset="-122"/>
-                                </a:rPr>
-                                <m:t> </m:t>
-                              </m:r>
-                              <m:r>
-                                <a:rPr lang="en-US" altLang="zh-CN" sz="1600" i="1" dirty="0">
-                                  <a:solidFill>
-                                    <a:schemeClr val="tx1">
-                                      <a:lumMod val="65000"/>
-                                      <a:lumOff val="35000"/>
-                                    </a:schemeClr>
-                                  </a:solidFill>
-                                  <a:latin typeface="Cambria Math" panose="02040503050406030204" pitchFamily="18" charset="0"/>
-                                  <a:ea typeface="微软雅黑 Light" panose="020B0502040204020203" pitchFamily="34" charset="-122"/>
-                                </a:rPr>
-                                <m:t>1</m:t>
-                              </m:r>
-                              <m:r>
-                                <a:rPr lang="en-US" altLang="zh-CN" sz="1600" i="1" dirty="0">
-                                  <a:solidFill>
-                                    <a:schemeClr val="tx1">
-                                      <a:lumMod val="65000"/>
-                                      <a:lumOff val="35000"/>
-                                    </a:schemeClr>
-                                  </a:solidFill>
-                                  <a:latin typeface="Cambria Math" panose="02040503050406030204" pitchFamily="18" charset="0"/>
-                                  <a:ea typeface="微软雅黑 Light" panose="020B0502040204020203" pitchFamily="34" charset="-122"/>
-                                </a:rPr>
-                                <m:t>  1</m:t>
+                                <m:t>1  1  1</m:t>
                               </m:r>
                               <m:r>
                                 <a:rPr lang="en-US" altLang="zh-CN" sz="1600" b="0" i="1" dirty="0" smtClean="0">
@@ -12755,7 +11399,20 @@
                                     <a:latin typeface="Cambria Math" panose="02040503050406030204" pitchFamily="18" charset="0"/>
                                     <a:ea typeface="微软雅黑 Light" panose="020B0502040204020203" pitchFamily="34" charset="-122"/>
                                   </a:rPr>
-                                  <m:t>−1</m:t>
+                                  <m:t>−</m:t>
+                                </m:r>
+                                <m:r>
+                                  <a:rPr lang="en-US" altLang="zh-CN" sz="1600" b="0" i="1" dirty="0" smtClean="0">
+                                    <a:solidFill>
+                                      <a:schemeClr val="tx1">
+                                        <a:lumMod val="65000"/>
+                                        <a:lumOff val="35000"/>
+                                      </a:schemeClr>
+                                    </a:solidFill>
+                                    <a:latin typeface="Cambria Math" panose="02040503050406030204" pitchFamily="18" charset="0"/>
+                                    <a:ea typeface="微软雅黑 Light" panose="020B0502040204020203" pitchFamily="34" charset="-122"/>
+                                  </a:rPr>
+                                  <m:t>𝑎</m:t>
                                 </m:r>
                               </m:e>
                             </m:mr>
@@ -13363,20 +12020,7 @@
                                   <a:latin typeface="Cambria Math" panose="02040503050406030204" pitchFamily="18" charset="0"/>
                                   <a:ea typeface="微软雅黑 Light" panose="020B0502040204020203" pitchFamily="34" charset="-122"/>
                                 </a:rPr>
-                                <m:t> </m:t>
-                              </m:r>
-                              <m:r>
-                                <a:rPr lang="en-US" altLang="zh-CN" sz="1600" i="1" dirty="0">
-                                  <a:solidFill>
-                                    <a:schemeClr val="tx1">
-                                      <a:lumMod val="65000"/>
-                                      <a:lumOff val="35000"/>
-                                    </a:schemeClr>
-                                  </a:solidFill>
-                                  <a:latin typeface="Cambria Math" panose="02040503050406030204" pitchFamily="18" charset="0"/>
-                                  <a:ea typeface="微软雅黑 Light" panose="020B0502040204020203" pitchFamily="34" charset="-122"/>
-                                </a:rPr>
-                                <m:t> </m:t>
+                                <m:t>  </m:t>
                               </m:r>
                               <m:r>
                                 <a:rPr lang="en-US" altLang="zh-CN" sz="1600" b="0" i="1" dirty="0" smtClean="0">
@@ -14108,33 +12752,7 @@
                                   <a:latin typeface="Cambria Math" panose="02040503050406030204" pitchFamily="18" charset="0"/>
                                   <a:ea typeface="微软雅黑 Light" panose="020B0502040204020203" pitchFamily="34" charset="-122"/>
                                 </a:rPr>
-                                <m:t>1 </m:t>
-                              </m:r>
-                              <m:r>
-                                <a:rPr lang="en-US" altLang="zh-CN" sz="1600" i="1" dirty="0">
-                                  <a:solidFill>
-                                    <a:schemeClr val="tx1">
-                                      <a:lumMod val="65000"/>
-                                      <a:lumOff val="35000"/>
-                                    </a:schemeClr>
-                                  </a:solidFill>
-                                  <a:latin typeface="Cambria Math" panose="02040503050406030204" pitchFamily="18" charset="0"/>
-                                  <a:ea typeface="微软雅黑 Light" panose="020B0502040204020203" pitchFamily="34" charset="-122"/>
-                                </a:rPr>
-                                <m:t> </m:t>
-                              </m:r>
-                              <m:r>
-                                <a:rPr lang="en-US" altLang="zh-CN" sz="1600" i="1" dirty="0">
-                                  <a:solidFill>
-                                    <a:schemeClr val="tx1">
-                                      <a:lumMod val="65000"/>
-                                      <a:lumOff val="35000"/>
-                                    </a:schemeClr>
-                                  </a:solidFill>
-                                  <a:latin typeface="Cambria Math" panose="02040503050406030204" pitchFamily="18" charset="0"/>
-                                  <a:ea typeface="微软雅黑 Light" panose="020B0502040204020203" pitchFamily="34" charset="-122"/>
-                                </a:rPr>
-                                <m:t>1</m:t>
+                                <m:t>1  1</m:t>
                               </m:r>
                             </m:e>
                             <m:e>
